--- a/delete기능,구현기능.pptx
+++ b/delete기능,구현기능.pptx
@@ -104,6 +104,11 @@
       </a:defRPr>
     </a:lvl9pPr>
   </p:defaultTextStyle>
+  <p:extLst>
+    <p:ext uri="{EFAFB233-063F-42B5-8137-9DF3F51BA10A}">
+      <p15:sldGuideLst xmlns:p15="http://schemas.microsoft.com/office/powerpoint/2012/main"/>
+    </p:ext>
+  </p:extLst>
 </p:presentation>
 </file>
 
@@ -3367,40 +3372,21 @@
             </a:r>
             <a:r>
               <a:rPr lang="ko-KR" altLang="en-US" sz="1700" dirty="0"/>
-              <a:t>하나에 아이디에 등록된 회원 정보 삭제 </a:t>
+              <a:t>아이디를 입력 받아 등록된 회원 정보 삭제 </a:t>
             </a:r>
           </a:p>
           <a:p>
             <a:pPr algn="l"/>
             <a:r>
-              <a:rPr lang="en-US" altLang="ko-KR" sz="1700" dirty="0"/>
-              <a:t>3</a:t>
-            </a:r>
-            <a:r>
               <a:rPr lang="ko-KR" altLang="en-US" sz="1700" dirty="0"/>
-              <a:t>개의 클래스 모듈화 하여 </a:t>
+              <a:t>아이디 값을 사용자에게 입력 받아 </a:t>
             </a:r>
           </a:p>
           <a:p>
             <a:pPr algn="l"/>
             <a:r>
               <a:rPr lang="ko-KR" altLang="en-US" sz="1700" dirty="0"/>
-              <a:t>아이디 값을 사용자에게 받아 </a:t>
-            </a:r>
-          </a:p>
-          <a:p>
-            <a:pPr algn="l"/>
-            <a:r>
-              <a:rPr lang="ko-KR" altLang="en-US" sz="1700" dirty="0"/>
-              <a:t>아이디 값이 리스트에 동일시 데이터 </a:t>
-            </a:r>
-            <a:r>
-              <a:rPr lang="ko-KR" altLang="en-US" sz="1700" dirty="0" err="1"/>
-              <a:t>삭제후</a:t>
-            </a:r>
-            <a:r>
-              <a:rPr lang="ko-KR" altLang="en-US" sz="1700" dirty="0"/>
-              <a:t> </a:t>
+              <a:t>아이디 값이 리스트에서 동일시 해당 데이터 삭제 후 </a:t>
             </a:r>
           </a:p>
           <a:p>
@@ -3414,21 +3400,21 @@
             <a:pPr algn="l"/>
             <a:r>
               <a:rPr lang="ko-KR" altLang="en-US" sz="1700" dirty="0"/>
-              <a:t>잘못된 값을 </a:t>
-            </a:r>
-            <a:r>
-              <a:rPr lang="ko-KR" altLang="en-US" sz="1700" dirty="0" err="1"/>
-              <a:t>입력시</a:t>
-            </a:r>
+              <a:t>잘못된 값을 입력 시 아이디가 일치하지 않거나 없는 아이디입니다 </a:t>
+            </a:r>
+            <a:endParaRPr lang="en-US" altLang="ko-KR" sz="1700" dirty="0"/>
+          </a:p>
+          <a:p>
+            <a:pPr algn="l"/>
             <a:r>
               <a:rPr lang="ko-KR" altLang="en-US" sz="1700" dirty="0"/>
-              <a:t> 사용자에게 다시 입력하라고 출력</a:t>
+              <a:t>출력</a:t>
+            </a:r>
+            <a:r>
+              <a:rPr lang="en-US" altLang="ko-KR" sz="1700"/>
+              <a:t>.</a:t>
             </a:r>
             <a:endParaRPr lang="en-US" altLang="ko-KR" sz="1700" dirty="0"/>
-          </a:p>
-          <a:p>
-            <a:pPr algn="l"/>
-            <a:endParaRPr lang="en-US" altLang="ko-KR" sz="1500" dirty="0"/>
           </a:p>
           <a:p>
             <a:pPr marL="285750" indent="-285750" algn="l">
@@ -3507,12 +3493,8 @@
               <a:t>, </a:t>
             </a:r>
             <a:r>
-              <a:rPr lang="ko-KR" altLang="en-US" sz="1500" dirty="0" err="1"/>
-              <a:t>실패시</a:t>
-            </a:r>
-            <a:r>
               <a:rPr lang="ko-KR" altLang="en-US" sz="1500" dirty="0"/>
-              <a:t> 실패관련 메시지 출력 </a:t>
+              <a:t>실패 시 실패관련 메시지 출력 </a:t>
             </a:r>
             <a:endParaRPr lang="en-US" altLang="ko-KR" sz="1500" dirty="0"/>
           </a:p>
@@ -3590,119 +3572,107 @@
               <a:t>true </a:t>
             </a:r>
             <a:r>
-              <a:rPr lang="ko-KR" altLang="en-US" sz="1500" dirty="0" err="1"/>
-              <a:t>실패시</a:t>
-            </a:r>
+              <a:rPr lang="ko-KR" altLang="en-US" sz="1500" dirty="0"/>
+              <a:t>실패 시 </a:t>
+            </a:r>
+            <a:r>
+              <a:rPr lang="en-US" altLang="ko-KR" sz="1500" dirty="0"/>
+              <a:t>false</a:t>
+            </a:r>
+            <a:r>
+              <a:rPr lang="ko-KR" altLang="en-US" sz="1500" dirty="0"/>
+              <a:t>를 반환한다  </a:t>
+            </a:r>
+          </a:p>
+          <a:p>
+            <a:pPr algn="l"/>
+            <a:r>
+              <a:rPr lang="en-US" altLang="ko-KR" sz="1500" dirty="0"/>
+              <a:t>DAO : </a:t>
+            </a:r>
+            <a:r>
+              <a:rPr lang="en-US" altLang="ko-KR" sz="1500" dirty="0" err="1"/>
+              <a:t>memberList</a:t>
+            </a:r>
+            <a:r>
+              <a:rPr lang="ko-KR" altLang="en-US" sz="1500" dirty="0"/>
+              <a:t>는 </a:t>
+            </a:r>
+            <a:r>
+              <a:rPr lang="en-US" altLang="ko-KR" sz="1500" dirty="0" err="1"/>
+              <a:t>copyOnWriteaArray</a:t>
+            </a:r>
+            <a:r>
+              <a:rPr lang="ko-KR" altLang="en-US" sz="1500" dirty="0"/>
+              <a:t>를 사용하여 데이터 저장</a:t>
+            </a:r>
+            <a:endParaRPr lang="en-US" altLang="ko-KR" sz="1500" dirty="0"/>
+          </a:p>
+          <a:p>
+            <a:pPr algn="l"/>
             <a:r>
               <a:rPr lang="ko-KR" altLang="en-US" sz="1500" dirty="0"/>
               <a:t> </a:t>
             </a:r>
             <a:r>
+              <a:rPr lang="en-US" altLang="ko-KR" sz="1500" dirty="0" err="1"/>
+              <a:t>deleteMember</a:t>
+            </a:r>
+            <a:r>
               <a:rPr lang="en-US" altLang="ko-KR" sz="1500" dirty="0"/>
-              <a:t>false</a:t>
+              <a:t>(int </a:t>
+            </a:r>
+            <a:r>
+              <a:rPr lang="en-US" altLang="ko-KR" sz="1500" dirty="0" err="1"/>
+              <a:t>memberId</a:t>
+            </a:r>
+            <a:r>
+              <a:rPr lang="en-US" altLang="ko-KR" sz="1500" dirty="0"/>
+              <a:t>) </a:t>
             </a:r>
             <a:r>
               <a:rPr lang="ko-KR" altLang="en-US" sz="1500" dirty="0"/>
-              <a:t>를 반환한다  </a:t>
-            </a:r>
+              <a:t>메서드를 통해 </a:t>
+            </a:r>
+            <a:endParaRPr lang="en-US" altLang="ko-KR" sz="1500" dirty="0"/>
           </a:p>
           <a:p>
             <a:pPr algn="l"/>
-            <a:r>
-              <a:rPr lang="en-US" altLang="ko-KR" sz="1500" dirty="0"/>
-              <a:t>DAO : </a:t>
-            </a:r>
             <a:r>
               <a:rPr lang="en-US" altLang="ko-KR" sz="1500" dirty="0" err="1"/>
               <a:t>memberList</a:t>
             </a:r>
             <a:r>
               <a:rPr lang="ko-KR" altLang="en-US" sz="1500" dirty="0"/>
-              <a:t>는 </a:t>
-            </a:r>
-            <a:r>
-              <a:rPr lang="en-US" altLang="ko-KR" sz="1500" dirty="0" err="1"/>
-              <a:t>copyOnWriteaArray</a:t>
+              <a:t>에서 </a:t>
+            </a:r>
+            <a:r>
+              <a:rPr lang="en-US" altLang="ko-KR" sz="1500" dirty="0"/>
+              <a:t>id</a:t>
             </a:r>
             <a:r>
               <a:rPr lang="ko-KR" altLang="en-US" sz="1500" dirty="0"/>
-              <a:t>를 사용하여 데이터 저장</a:t>
+              <a:t>를 찾은 후 삭제 </a:t>
             </a:r>
             <a:endParaRPr lang="en-US" altLang="ko-KR" sz="1500" dirty="0"/>
           </a:p>
           <a:p>
             <a:pPr algn="l"/>
             <a:r>
+              <a:rPr lang="en-US" altLang="ko-KR" sz="1500" dirty="0"/>
+              <a:t>For-each</a:t>
+            </a:r>
+            <a:r>
               <a:rPr lang="ko-KR" altLang="en-US" sz="1500" dirty="0"/>
-              <a:t> </a:t>
-            </a:r>
-            <a:r>
-              <a:rPr lang="en-US" altLang="ko-KR" sz="1500" dirty="0" err="1"/>
-              <a:t>deleteMember</a:t>
-            </a:r>
-            <a:r>
-              <a:rPr lang="en-US" altLang="ko-KR" sz="1500" dirty="0"/>
-              <a:t>(int </a:t>
-            </a:r>
-            <a:r>
-              <a:rPr lang="en-US" altLang="ko-KR" sz="1500" dirty="0" err="1"/>
-              <a:t>memberId</a:t>
-            </a:r>
-            <a:r>
-              <a:rPr lang="en-US" altLang="ko-KR" sz="1500" dirty="0"/>
-              <a:t>) </a:t>
-            </a:r>
-            <a:r>
-              <a:rPr lang="ko-KR" altLang="en-US" sz="1500" dirty="0"/>
-              <a:t>메서드를 통해 </a:t>
-            </a:r>
-            <a:endParaRPr lang="en-US" altLang="ko-KR" sz="1500" dirty="0"/>
-          </a:p>
-          <a:p>
-            <a:pPr algn="l"/>
+              <a:t>문 으로 </a:t>
+            </a:r>
             <a:r>
               <a:rPr lang="en-US" altLang="ko-KR" sz="1500" dirty="0" err="1"/>
               <a:t>memberList</a:t>
             </a:r>
             <a:r>
               <a:rPr lang="ko-KR" altLang="en-US" sz="1500" dirty="0"/>
-              <a:t>에서 </a:t>
-            </a:r>
-            <a:r>
-              <a:rPr lang="en-US" altLang="ko-KR" sz="1500" dirty="0"/>
-              <a:t>id</a:t>
-            </a:r>
-            <a:r>
-              <a:rPr lang="ko-KR" altLang="en-US" sz="1500" dirty="0"/>
-              <a:t>를 찾은 후 삭제 </a:t>
-            </a:r>
-            <a:endParaRPr lang="en-US" altLang="ko-KR" sz="1500" dirty="0"/>
-          </a:p>
-          <a:p>
-            <a:pPr algn="l"/>
-            <a:r>
-              <a:rPr lang="en-US" altLang="ko-KR" sz="1500" dirty="0"/>
-              <a:t>For-each</a:t>
-            </a:r>
-            <a:r>
-              <a:rPr lang="ko-KR" altLang="en-US" sz="1500" dirty="0"/>
-              <a:t>문 으로 </a:t>
-            </a:r>
-            <a:r>
-              <a:rPr lang="en-US" altLang="ko-KR" sz="1500" dirty="0" err="1"/>
-              <a:t>memberList</a:t>
-            </a:r>
-            <a:r>
-              <a:rPr lang="ko-KR" altLang="en-US" sz="1500" dirty="0"/>
-              <a:t>에서 삭제 회원 </a:t>
-            </a:r>
-            <a:r>
-              <a:rPr lang="ko-KR" altLang="en-US" sz="1500" dirty="0" err="1"/>
-              <a:t>발견시</a:t>
-            </a:r>
-            <a:r>
-              <a:rPr lang="ko-KR" altLang="en-US" sz="1500" dirty="0"/>
-              <a:t> </a:t>
+              <a:t>에서 삭제 회원 발견 시 </a:t>
             </a:r>
             <a:r>
               <a:rPr lang="en-US" altLang="ko-KR" sz="1500" dirty="0"/>
@@ -3720,12 +3690,8 @@
           <a:p>
             <a:pPr algn="l"/>
             <a:r>
-              <a:rPr lang="ko-KR" altLang="en-US" sz="1500" dirty="0" err="1"/>
-              <a:t>실패시</a:t>
-            </a:r>
-            <a:r>
               <a:rPr lang="ko-KR" altLang="en-US" sz="1500" dirty="0"/>
-              <a:t> </a:t>
+              <a:t>실패 시 </a:t>
             </a:r>
             <a:r>
               <a:rPr lang="en-US" altLang="ko-KR" sz="1500" dirty="0"/>

--- a/delete기능,구현기능.pptx
+++ b/delete기능,구현기능.pptx
@@ -3344,13 +3344,13 @@
         </p:nvSpPr>
         <p:spPr>
           <a:xfrm>
-            <a:off x="5351489" y="164892"/>
-            <a:ext cx="6625651" cy="6535711"/>
+            <a:off x="5070338" y="1035837"/>
+            <a:ext cx="6936782" cy="5661017"/>
           </a:xfrm>
         </p:spPr>
         <p:txBody>
           <a:bodyPr>
-            <a:normAutofit fontScale="92500" lnSpcReduction="10000"/>
+            <a:normAutofit fontScale="92500" lnSpcReduction="20000"/>
           </a:bodyPr>
           <a:lstStyle/>
           <a:p>
@@ -3411,10 +3411,9 @@
               <a:t>출력</a:t>
             </a:r>
             <a:r>
-              <a:rPr lang="en-US" altLang="ko-KR" sz="1700"/>
+              <a:rPr lang="en-US" altLang="ko-KR" sz="1700" dirty="0"/>
               <a:t>.</a:t>
             </a:r>
-            <a:endParaRPr lang="en-US" altLang="ko-KR" sz="1700" dirty="0"/>
           </a:p>
           <a:p>
             <a:pPr marL="285750" indent="-285750" algn="l">
@@ -3719,12 +3718,48 @@
           </a:p>
         </p:txBody>
       </p:sp>
-      <p:sp>
-        <p:nvSpPr>
-          <p:cNvPr id="4" name="TextBox 3">
-            <a:extLst>
-              <a:ext uri="{FF2B5EF4-FFF2-40B4-BE49-F238E27FC236}">
-                <a16:creationId xmlns:a16="http://schemas.microsoft.com/office/drawing/2014/main" id="{85824129-6DB4-6E12-7F82-FA832565B5B9}"/>
+      <p:pic>
+        <p:nvPicPr>
+          <p:cNvPr id="5" name="그림 4">
+            <a:extLst>
+              <a:ext uri="{FF2B5EF4-FFF2-40B4-BE49-F238E27FC236}">
+                <a16:creationId xmlns:a16="http://schemas.microsoft.com/office/drawing/2014/main" id="{BDE84E6C-424F-988F-6D82-1682E405DF76}"/>
+              </a:ext>
+            </a:extLst>
+          </p:cNvPr>
+          <p:cNvPicPr>
+            <a:picLocks noChangeAspect="1"/>
+          </p:cNvPicPr>
+          <p:nvPr/>
+        </p:nvPicPr>
+        <p:blipFill>
+          <a:blip r:embed="rId2">
+            <a:extLst>
+              <a:ext uri="{28A0092B-C50C-407E-A947-70E740481C1C}">
+                <a14:useLocalDpi xmlns:a14="http://schemas.microsoft.com/office/drawing/2010/main" val="0"/>
+              </a:ext>
+            </a:extLst>
+          </a:blip>
+          <a:stretch>
+            <a:fillRect/>
+          </a:stretch>
+        </p:blipFill>
+        <p:spPr>
+          <a:xfrm>
+            <a:off x="277917" y="914400"/>
+            <a:ext cx="4518933" cy="2516193"/>
+          </a:xfrm>
+          <a:prstGeom prst="rect">
+            <a:avLst/>
+          </a:prstGeom>
+        </p:spPr>
+      </p:pic>
+      <p:sp>
+        <p:nvSpPr>
+          <p:cNvPr id="7" name="TextBox 6">
+            <a:extLst>
+              <a:ext uri="{FF2B5EF4-FFF2-40B4-BE49-F238E27FC236}">
+                <a16:creationId xmlns:a16="http://schemas.microsoft.com/office/drawing/2014/main" id="{155102F6-E4D5-D604-6D86-F7E390881B79}"/>
               </a:ext>
             </a:extLst>
           </p:cNvPr>
@@ -3733,8 +3768,8 @@
         </p:nvSpPr>
         <p:spPr>
           <a:xfrm>
-            <a:off x="419725" y="419725"/>
-            <a:ext cx="4631960" cy="369332"/>
+            <a:off x="179882" y="161146"/>
+            <a:ext cx="11827238" cy="553998"/>
           </a:xfrm>
           <a:prstGeom prst="rect">
             <a:avLst/>
@@ -3747,21 +3782,50 @@
           </a:bodyPr>
           <a:lstStyle/>
           <a:p>
-            <a:r>
-              <a:rPr lang="ko-KR" altLang="en-US" dirty="0"/>
-              <a:t>회원 정보 삭제 기능</a:t>
-            </a:r>
-            <a:r>
-              <a:rPr lang="en-US" altLang="ko-KR" dirty="0"/>
-              <a:t>, </a:t>
-            </a:r>
-            <a:r>
-              <a:rPr lang="ko-KR" altLang="en-US" dirty="0"/>
-              <a:t>구현기능</a:t>
-            </a:r>
-          </a:p>
-        </p:txBody>
-      </p:sp>
+            <a:pPr algn="ctr"/>
+            <a:r>
+              <a:rPr lang="ko-KR" altLang="en-US" sz="3000" dirty="0"/>
+              <a:t>회원 정보 삭제</a:t>
+            </a:r>
+          </a:p>
+        </p:txBody>
+      </p:sp>
+      <p:pic>
+        <p:nvPicPr>
+          <p:cNvPr id="9" name="그림 8">
+            <a:extLst>
+              <a:ext uri="{FF2B5EF4-FFF2-40B4-BE49-F238E27FC236}">
+                <a16:creationId xmlns:a16="http://schemas.microsoft.com/office/drawing/2014/main" id="{F53F0D1F-0A7B-3CA7-7A51-5BD05B0D9A27}"/>
+              </a:ext>
+            </a:extLst>
+          </p:cNvPr>
+          <p:cNvPicPr>
+            <a:picLocks noChangeAspect="1"/>
+          </p:cNvPicPr>
+          <p:nvPr/>
+        </p:nvPicPr>
+        <p:blipFill>
+          <a:blip r:embed="rId3">
+            <a:extLst>
+              <a:ext uri="{28A0092B-C50C-407E-A947-70E740481C1C}">
+                <a14:useLocalDpi xmlns:a14="http://schemas.microsoft.com/office/drawing/2010/main" val="0"/>
+              </a:ext>
+            </a:extLst>
+          </a:blip>
+          <a:stretch>
+            <a:fillRect/>
+          </a:stretch>
+        </p:blipFill>
+        <p:spPr>
+          <a:xfrm>
+            <a:off x="277917" y="3542668"/>
+            <a:ext cx="4518933" cy="3154186"/>
+          </a:xfrm>
+          <a:prstGeom prst="rect">
+            <a:avLst/>
+          </a:prstGeom>
+        </p:spPr>
+      </p:pic>
     </p:spTree>
     <p:extLst>
       <p:ext uri="{BB962C8B-B14F-4D97-AF65-F5344CB8AC3E}">

--- a/delete기능,구현기능.pptx
+++ b/delete기능,구현기능.pptx
@@ -6,6 +6,7 @@
   </p:sldMasterIdLst>
   <p:sldIdLst>
     <p:sldId id="256" r:id="rId2"/>
+    <p:sldId id="257" r:id="rId3"/>
   </p:sldIdLst>
   <p:sldSz cx="12192000" cy="6858000"/>
   <p:notesSz cx="6858000" cy="9144000"/>
@@ -3839,6 +3840,431 @@
 </p:sld>
 </file>
 
+<file path=ppt/slides/slide2.xml><?xml version="1.0" encoding="utf-8"?>
+<p:sld xmlns:a="http://schemas.openxmlformats.org/drawingml/2006/main" xmlns:r="http://schemas.openxmlformats.org/officeDocument/2006/relationships" xmlns:p="http://schemas.openxmlformats.org/presentationml/2006/main">
+  <p:cSld>
+    <p:spTree>
+      <p:nvGrpSpPr>
+        <p:cNvPr id="1" name=""/>
+        <p:cNvGrpSpPr/>
+        <p:nvPr/>
+      </p:nvGrpSpPr>
+      <p:grpSpPr>
+        <a:xfrm>
+          <a:off x="0" y="0"/>
+          <a:ext cx="0" cy="0"/>
+          <a:chOff x="0" y="0"/>
+          <a:chExt cx="0" cy="0"/>
+        </a:xfrm>
+      </p:grpSpPr>
+      <p:sp>
+        <p:nvSpPr>
+          <p:cNvPr id="3" name="내용 개체 틀 2">
+            <a:extLst>
+              <a:ext uri="{FF2B5EF4-FFF2-40B4-BE49-F238E27FC236}">
+                <a16:creationId xmlns:a16="http://schemas.microsoft.com/office/drawing/2014/main" id="{59A672AC-C47D-8501-59A0-ED2E1E26C083}"/>
+              </a:ext>
+            </a:extLst>
+          </p:cNvPr>
+          <p:cNvSpPr>
+            <a:spLocks noGrp="1"/>
+          </p:cNvSpPr>
+          <p:nvPr>
+            <p:ph idx="1"/>
+          </p:nvPr>
+        </p:nvSpPr>
+        <p:spPr>
+          <a:xfrm>
+            <a:off x="5486399" y="119921"/>
+            <a:ext cx="6145967" cy="6400800"/>
+          </a:xfrm>
+        </p:spPr>
+        <p:txBody>
+          <a:bodyPr>
+            <a:normAutofit fontScale="77500" lnSpcReduction="20000"/>
+          </a:bodyPr>
+          <a:lstStyle/>
+          <a:p>
+            <a:pPr marL="285750" indent="-285750" algn="l">
+              <a:buFont typeface="Arial" panose="020B0604020202020204" pitchFamily="34" charset="0"/>
+              <a:buChar char="•"/>
+            </a:pPr>
+            <a:r>
+              <a:rPr lang="ko-KR" altLang="en-US" sz="2100" b="1" dirty="0"/>
+              <a:t>구현기능 </a:t>
+            </a:r>
+            <a:endParaRPr lang="en-US" altLang="ko-KR" sz="2100" b="1" dirty="0"/>
+          </a:p>
+          <a:p>
+            <a:pPr marL="0" indent="0" algn="l">
+              <a:buNone/>
+            </a:pPr>
+            <a:r>
+              <a:rPr lang="en-US" altLang="ko-KR" sz="2400" dirty="0"/>
+              <a:t> action : </a:t>
+            </a:r>
+            <a:r>
+              <a:rPr lang="en-US" altLang="ko-KR" sz="2400" dirty="0" err="1"/>
+              <a:t>consoleutil</a:t>
+            </a:r>
+            <a:r>
+              <a:rPr lang="en-US" altLang="ko-KR" sz="2400" dirty="0"/>
+              <a:t> </a:t>
+            </a:r>
+            <a:r>
+              <a:rPr lang="ko-KR" altLang="en-US" sz="2400" dirty="0"/>
+              <a:t>클래스의</a:t>
+            </a:r>
+            <a:r>
+              <a:rPr lang="en-US" altLang="ko-KR" sz="2400" dirty="0" err="1"/>
+              <a:t>getMemberId</a:t>
+            </a:r>
+            <a:r>
+              <a:rPr lang="en-US" altLang="ko-KR" sz="2400" dirty="0"/>
+              <a:t>()</a:t>
+            </a:r>
+            <a:r>
+              <a:rPr lang="ko-KR" altLang="en-US" sz="2400" dirty="0"/>
+              <a:t>메서드 사용하여</a:t>
+            </a:r>
+            <a:endParaRPr lang="en-US" altLang="ko-KR" sz="2400" dirty="0"/>
+          </a:p>
+          <a:p>
+            <a:pPr marL="0" indent="0" algn="l">
+              <a:buNone/>
+            </a:pPr>
+            <a:r>
+              <a:rPr lang="ko-KR" altLang="en-US" sz="2400" dirty="0"/>
+              <a:t> 입력한 </a:t>
+            </a:r>
+            <a:r>
+              <a:rPr lang="en-US" altLang="ko-KR" sz="2400" dirty="0"/>
+              <a:t>id</a:t>
+            </a:r>
+            <a:r>
+              <a:rPr lang="ko-KR" altLang="en-US" sz="2400" dirty="0"/>
+              <a:t>를 받아오거나 값이 </a:t>
+            </a:r>
+            <a:r>
+              <a:rPr lang="en-US" altLang="ko-KR" sz="2400" dirty="0"/>
+              <a:t>0</a:t>
+            </a:r>
+            <a:r>
+              <a:rPr lang="ko-KR" altLang="en-US" sz="2400" dirty="0"/>
+              <a:t>이면 삭제할 수 없다는 메시지 출력</a:t>
+            </a:r>
+            <a:r>
+              <a:rPr lang="en-US" altLang="ko-KR" sz="2400" dirty="0"/>
+              <a:t>,</a:t>
+            </a:r>
+          </a:p>
+          <a:p>
+            <a:pPr marL="0" indent="0" algn="l">
+              <a:buNone/>
+            </a:pPr>
+            <a:r>
+              <a:rPr lang="ko-KR" altLang="en-US" sz="2400" dirty="0"/>
+              <a:t>삭제 작업이 성공한다면 성공에 관한 메시지 출력</a:t>
+            </a:r>
+            <a:r>
+              <a:rPr lang="en-US" altLang="ko-KR" sz="2400" dirty="0"/>
+              <a:t>, </a:t>
+            </a:r>
+            <a:r>
+              <a:rPr lang="ko-KR" altLang="en-US" sz="2400" dirty="0"/>
+              <a:t>실패 시 실패관련 메시지 출력 </a:t>
+            </a:r>
+            <a:endParaRPr lang="en-US" altLang="ko-KR" sz="2400" dirty="0"/>
+          </a:p>
+          <a:p>
+            <a:pPr marL="0" indent="0" algn="l">
+              <a:buNone/>
+            </a:pPr>
+            <a:r>
+              <a:rPr lang="ko-KR" altLang="en-US" sz="2400" dirty="0"/>
+              <a:t>해당하지 않는 회원 예외발생 해결을 위하여</a:t>
+            </a:r>
+            <a:r>
+              <a:rPr lang="en-US" altLang="ko-KR" sz="2400" dirty="0"/>
+              <a:t>try-catch</a:t>
+            </a:r>
+            <a:r>
+              <a:rPr lang="ko-KR" altLang="en-US" sz="2400" dirty="0"/>
+              <a:t>문으로 예외 처리 </a:t>
+            </a:r>
+          </a:p>
+          <a:p>
+            <a:pPr marL="0" indent="0" algn="l">
+              <a:buNone/>
+            </a:pPr>
+            <a:r>
+              <a:rPr lang="en-US" altLang="ko-KR" sz="2400" dirty="0"/>
+              <a:t>Service :  </a:t>
+            </a:r>
+            <a:r>
+              <a:rPr lang="en-US" altLang="ko-KR" sz="2400" dirty="0" err="1"/>
+              <a:t>deleteMember</a:t>
+            </a:r>
+            <a:r>
+              <a:rPr lang="en-US" altLang="ko-KR" sz="2400" dirty="0"/>
+              <a:t>(int </a:t>
+            </a:r>
+            <a:r>
+              <a:rPr lang="en-US" altLang="ko-KR" sz="2400" dirty="0" err="1"/>
+              <a:t>memberId</a:t>
+            </a:r>
+            <a:r>
+              <a:rPr lang="en-US" altLang="ko-KR" sz="2400" dirty="0"/>
+              <a:t>) </a:t>
+            </a:r>
+            <a:r>
+              <a:rPr lang="ko-KR" altLang="en-US" sz="2400" dirty="0"/>
+              <a:t>삭제를 처리하는 메서드가 </a:t>
+            </a:r>
+            <a:endParaRPr lang="en-US" altLang="ko-KR" sz="2400" dirty="0"/>
+          </a:p>
+          <a:p>
+            <a:pPr marL="0" indent="0" algn="l">
+              <a:buNone/>
+            </a:pPr>
+            <a:r>
+              <a:rPr lang="en-US" altLang="ko-KR" sz="2400" dirty="0" err="1"/>
+              <a:t>memberDAO</a:t>
+            </a:r>
+            <a:r>
+              <a:rPr lang="ko-KR" altLang="en-US" sz="2400" dirty="0"/>
+              <a:t>를 통해 회원 삭제 후 작업 성공 여부 값을 반환하여 </a:t>
+            </a:r>
+            <a:r>
+              <a:rPr lang="en-US" altLang="ko-KR" sz="2400" dirty="0"/>
+              <a:t>action</a:t>
+            </a:r>
+            <a:r>
+              <a:rPr lang="ko-KR" altLang="en-US" sz="2400" dirty="0"/>
+              <a:t>에 전달 </a:t>
+            </a:r>
+            <a:endParaRPr lang="en-US" altLang="ko-KR" sz="2400" dirty="0"/>
+          </a:p>
+          <a:p>
+            <a:pPr marL="0" indent="0" algn="l">
+              <a:buNone/>
+            </a:pPr>
+            <a:r>
+              <a:rPr lang="ko-KR" altLang="en-US" sz="2400" dirty="0"/>
+              <a:t>삭제가 성공하면 </a:t>
+            </a:r>
+            <a:r>
+              <a:rPr lang="en-US" altLang="ko-KR" sz="2400" dirty="0"/>
+              <a:t>true </a:t>
+            </a:r>
+            <a:r>
+              <a:rPr lang="ko-KR" altLang="en-US" sz="2400" dirty="0"/>
+              <a:t>실패 시 </a:t>
+            </a:r>
+            <a:r>
+              <a:rPr lang="en-US" altLang="ko-KR" sz="2400" dirty="0"/>
+              <a:t>false</a:t>
+            </a:r>
+            <a:r>
+              <a:rPr lang="ko-KR" altLang="en-US" sz="2400" dirty="0"/>
+              <a:t>를 반환한다  </a:t>
+            </a:r>
+          </a:p>
+          <a:p>
+            <a:pPr marL="0" indent="0" algn="l">
+              <a:buNone/>
+            </a:pPr>
+            <a:r>
+              <a:rPr lang="en-US" altLang="ko-KR" sz="2400" dirty="0"/>
+              <a:t>DAO : </a:t>
+            </a:r>
+            <a:r>
+              <a:rPr lang="en-US" altLang="ko-KR" sz="2400" dirty="0" err="1"/>
+              <a:t>memberList</a:t>
+            </a:r>
+            <a:r>
+              <a:rPr lang="ko-KR" altLang="en-US" sz="2400" dirty="0"/>
+              <a:t>는 </a:t>
+            </a:r>
+            <a:r>
+              <a:rPr lang="en-US" altLang="ko-KR" sz="2400" dirty="0" err="1"/>
+              <a:t>copyOnWriteaArray</a:t>
+            </a:r>
+            <a:r>
+              <a:rPr lang="ko-KR" altLang="en-US" sz="2400" dirty="0"/>
+              <a:t>를 사용하여 데이터 저장</a:t>
+            </a:r>
+            <a:endParaRPr lang="en-US" altLang="ko-KR" sz="2400" dirty="0"/>
+          </a:p>
+          <a:p>
+            <a:pPr marL="0" indent="0" algn="l">
+              <a:buNone/>
+            </a:pPr>
+            <a:r>
+              <a:rPr lang="ko-KR" altLang="en-US" sz="2400" dirty="0"/>
+              <a:t> </a:t>
+            </a:r>
+            <a:r>
+              <a:rPr lang="en-US" altLang="ko-KR" sz="2400" dirty="0" err="1"/>
+              <a:t>deleteMember</a:t>
+            </a:r>
+            <a:r>
+              <a:rPr lang="en-US" altLang="ko-KR" sz="2400" dirty="0"/>
+              <a:t>(int </a:t>
+            </a:r>
+            <a:r>
+              <a:rPr lang="en-US" altLang="ko-KR" sz="2400" dirty="0" err="1"/>
+              <a:t>memberId</a:t>
+            </a:r>
+            <a:r>
+              <a:rPr lang="en-US" altLang="ko-KR" sz="2400" dirty="0"/>
+              <a:t>) </a:t>
+            </a:r>
+            <a:r>
+              <a:rPr lang="ko-KR" altLang="en-US" sz="2400" dirty="0"/>
+              <a:t>메서드를 통해 </a:t>
+            </a:r>
+            <a:endParaRPr lang="en-US" altLang="ko-KR" sz="2400" dirty="0"/>
+          </a:p>
+          <a:p>
+            <a:pPr marL="0" indent="0" algn="l">
+              <a:buNone/>
+            </a:pPr>
+            <a:r>
+              <a:rPr lang="en-US" altLang="ko-KR" sz="2400" dirty="0" err="1"/>
+              <a:t>memberList</a:t>
+            </a:r>
+            <a:r>
+              <a:rPr lang="ko-KR" altLang="en-US" sz="2400" dirty="0"/>
+              <a:t>에서 </a:t>
+            </a:r>
+            <a:r>
+              <a:rPr lang="en-US" altLang="ko-KR" sz="2400" dirty="0"/>
+              <a:t>id</a:t>
+            </a:r>
+            <a:r>
+              <a:rPr lang="ko-KR" altLang="en-US" sz="2400" dirty="0"/>
+              <a:t>를 찾은 후 삭제 </a:t>
+            </a:r>
+            <a:endParaRPr lang="en-US" altLang="ko-KR" sz="2400" dirty="0"/>
+          </a:p>
+          <a:p>
+            <a:pPr marL="0" indent="0" algn="l">
+              <a:buNone/>
+            </a:pPr>
+            <a:r>
+              <a:rPr lang="en-US" altLang="ko-KR" sz="2400" dirty="0"/>
+              <a:t>For-each</a:t>
+            </a:r>
+            <a:r>
+              <a:rPr lang="ko-KR" altLang="en-US" sz="2400" dirty="0"/>
+              <a:t>문 으로 </a:t>
+            </a:r>
+            <a:r>
+              <a:rPr lang="en-US" altLang="ko-KR" sz="2400" dirty="0" err="1"/>
+              <a:t>memberList</a:t>
+            </a:r>
+            <a:r>
+              <a:rPr lang="ko-KR" altLang="en-US" sz="2400" dirty="0"/>
+              <a:t>에서 삭제 회원 발견 시 </a:t>
+            </a:r>
+            <a:r>
+              <a:rPr lang="en-US" altLang="ko-KR" sz="2400" dirty="0"/>
+              <a:t>remove()</a:t>
+            </a:r>
+            <a:r>
+              <a:rPr lang="ko-KR" altLang="en-US" sz="2400" dirty="0"/>
+              <a:t>로 삭제</a:t>
+            </a:r>
+            <a:r>
+              <a:rPr lang="en-US" altLang="ko-KR" sz="2400" dirty="0"/>
+              <a:t>, </a:t>
+            </a:r>
+          </a:p>
+          <a:p>
+            <a:pPr marL="0" indent="0" algn="l">
+              <a:buNone/>
+            </a:pPr>
+            <a:r>
+              <a:rPr lang="ko-KR" altLang="en-US" sz="2400" dirty="0"/>
+              <a:t>실패 시 </a:t>
+            </a:r>
+            <a:r>
+              <a:rPr lang="en-US" altLang="ko-KR" sz="2400" dirty="0"/>
+              <a:t>false</a:t>
+            </a:r>
+            <a:r>
+              <a:rPr lang="ko-KR" altLang="en-US" sz="2400" dirty="0"/>
+              <a:t>를 반환 하여</a:t>
+            </a:r>
+          </a:p>
+          <a:p>
+            <a:pPr marL="0" indent="0" algn="l">
+              <a:buNone/>
+            </a:pPr>
+            <a:r>
+              <a:rPr lang="en-US" altLang="ko-KR" sz="2400" dirty="0" err="1"/>
+              <a:t>memberDeleteService</a:t>
+            </a:r>
+            <a:r>
+              <a:rPr lang="ko-KR" altLang="en-US" sz="2400" dirty="0"/>
+              <a:t>에서 실패 정보 전달한다</a:t>
+            </a:r>
+          </a:p>
+          <a:p>
+            <a:endParaRPr lang="ko-KR" altLang="en-US" dirty="0"/>
+          </a:p>
+        </p:txBody>
+      </p:sp>
+      <p:pic>
+        <p:nvPicPr>
+          <p:cNvPr id="4" name="그림 3">
+            <a:extLst>
+              <a:ext uri="{FF2B5EF4-FFF2-40B4-BE49-F238E27FC236}">
+                <a16:creationId xmlns:a16="http://schemas.microsoft.com/office/drawing/2014/main" id="{251B49BA-3282-75A7-AB34-FB6856E8C815}"/>
+              </a:ext>
+            </a:extLst>
+          </p:cNvPr>
+          <p:cNvPicPr>
+            <a:picLocks noChangeAspect="1"/>
+          </p:cNvPicPr>
+          <p:nvPr/>
+        </p:nvPicPr>
+        <p:blipFill>
+          <a:blip r:embed="rId2">
+            <a:extLst>
+              <a:ext uri="{28A0092B-C50C-407E-A947-70E740481C1C}">
+                <a14:useLocalDpi xmlns:a14="http://schemas.microsoft.com/office/drawing/2010/main" val="0"/>
+              </a:ext>
+            </a:extLst>
+          </a:blip>
+          <a:stretch>
+            <a:fillRect/>
+          </a:stretch>
+        </p:blipFill>
+        <p:spPr>
+          <a:xfrm>
+            <a:off x="427818" y="2823027"/>
+            <a:ext cx="4518933" cy="3154186"/>
+          </a:xfrm>
+          <a:prstGeom prst="rect">
+            <a:avLst/>
+          </a:prstGeom>
+        </p:spPr>
+      </p:pic>
+    </p:spTree>
+    <p:extLst>
+      <p:ext uri="{BB962C8B-B14F-4D97-AF65-F5344CB8AC3E}">
+        <p14:creationId xmlns:p14="http://schemas.microsoft.com/office/powerpoint/2010/main" val="4022631766"/>
+      </p:ext>
+    </p:extLst>
+  </p:cSld>
+  <p:clrMapOvr>
+    <a:masterClrMapping/>
+  </p:clrMapOvr>
+</p:sld>
+</file>
+
 <file path=ppt/theme/theme1.xml><?xml version="1.0" encoding="utf-8"?>
 <a:theme xmlns:a="http://schemas.openxmlformats.org/drawingml/2006/main" name="Office 테마">
   <a:themeElements>
